--- a/GrosseDaten Proposal.pptx
+++ b/GrosseDaten Proposal.pptx
@@ -265,6 +265,43 @@
     </p:ext>
   </p:extLst>
 </p:presentation>
+</file>
+
+<file path=ppt/changesInfos/changesInfo1.xml><?xml version="1.0" encoding="utf-8"?>
+<pc:chgInfo xmlns:a="http://schemas.openxmlformats.org/drawingml/2006/main" xmlns:r="http://schemas.openxmlformats.org/officeDocument/2006/relationships" xmlns:ac="http://schemas.microsoft.com/office/drawing/2013/main/command" xmlns:pc="http://schemas.microsoft.com/office/powerpoint/2013/main/command">
+  <pc:docChgLst>
+    <pc:chgData name="Leonie Nageler" userId="78ee6e1bcb7ee38f" providerId="LiveId" clId="{B1CD1A77-4FD5-4327-9ABD-810E564E5725}"/>
+    <pc:docChg chg="modSld">
+      <pc:chgData name="Leonie Nageler" userId="78ee6e1bcb7ee38f" providerId="LiveId" clId="{B1CD1A77-4FD5-4327-9ABD-810E564E5725}" dt="2025-05-12T02:33:11.725" v="11" actId="20577"/>
+      <pc:docMkLst>
+        <pc:docMk/>
+      </pc:docMkLst>
+      <pc:sldChg chg="modSp mod">
+        <pc:chgData name="Leonie Nageler" userId="78ee6e1bcb7ee38f" providerId="LiveId" clId="{B1CD1A77-4FD5-4327-9ABD-810E564E5725}" dt="2025-05-12T02:33:11.725" v="11" actId="20577"/>
+        <pc:sldMkLst>
+          <pc:docMk/>
+          <pc:sldMk cId="0" sldId="260"/>
+        </pc:sldMkLst>
+        <pc:spChg chg="mod">
+          <ac:chgData name="Leonie Nageler" userId="78ee6e1bcb7ee38f" providerId="LiveId" clId="{B1CD1A77-4FD5-4327-9ABD-810E564E5725}" dt="2025-05-12T02:33:09.370" v="5" actId="20577"/>
+          <ac:spMkLst>
+            <pc:docMk/>
+            <pc:sldMk cId="0" sldId="260"/>
+            <ac:spMk id="81" creationId="{00000000-0000-0000-0000-000000000000}"/>
+          </ac:spMkLst>
+        </pc:spChg>
+        <pc:spChg chg="mod">
+          <ac:chgData name="Leonie Nageler" userId="78ee6e1bcb7ee38f" providerId="LiveId" clId="{B1CD1A77-4FD5-4327-9ABD-810E564E5725}" dt="2025-05-12T02:33:11.725" v="11" actId="20577"/>
+          <ac:spMkLst>
+            <pc:docMk/>
+            <pc:sldMk cId="0" sldId="260"/>
+            <ac:spMk id="83" creationId="{00000000-0000-0000-0000-000000000000}"/>
+          </ac:spMkLst>
+        </pc:spChg>
+      </pc:sldChg>
+    </pc:docChg>
+  </pc:docChgLst>
+</pc:chgInfo>
 </file>
 
 <file path=ppt/notesMasters/notesMaster1.xml><?xml version="1.0" encoding="utf-8"?>
@@ -1153,7 +1190,7 @@
         </p:nvSpPr>
         <p:spPr>
           <a:xfrm>
-            <a:off x="381300" y="685800"/>
+            <a:off x="381000" y="685800"/>
             <a:ext cx="6096000" cy="3429000"/>
           </a:xfrm>
           <a:custGeom>
@@ -7285,10 +7322,10 @@
               <a:buNone/>
             </a:pPr>
             <a:r>
-              <a:rPr lang="en-GB"/>
-              <a:t>Dataset slide</a:t>
+              <a:rPr lang="en-GB" dirty="0"/>
+              <a:t>Dataset</a:t>
             </a:r>
-            <a:endParaRPr/>
+            <a:endParaRPr dirty="0"/>
           </a:p>
         </p:txBody>
       </p:sp>
@@ -7370,7 +7407,7 @@
             </a:pPr>
             <a:r>
               <a:rPr lang="en-GB"/>
-              <a:t>Data source slide</a:t>
+              <a:t>Data source</a:t>
             </a:r>
             <a:endParaRPr/>
           </a:p>
